--- a/Python presentation.pptx
+++ b/Python presentation.pptx
@@ -108,6 +108,11 @@
       </a:defRPr>
     </a:lvl9pPr>
   </p:defaultTextStyle>
+  <p:extLst>
+    <p:ext uri="{EFAFB233-063F-42B5-8137-9DF3F51BA10A}">
+      <p15:sldGuideLst xmlns:p15="http://schemas.microsoft.com/office/powerpoint/2012/main"/>
+    </p:ext>
+  </p:extLst>
 </p:presentation>
 </file>
 
@@ -4416,35 +4421,52 @@
           <a:lstStyle/>
           <a:p>
             <a:r>
-              <a:rPr lang="en-US" dirty="0"/>
-              <a:t>Tammy Barbee (Course Instructor).</a:t>
-            </a:r>
-          </a:p>
-          <a:p>
-            <a:r>
-              <a:rPr lang="en-US" dirty="0"/>
+              <a:rPr lang="en-US" sz="2000" dirty="0">
+                <a:latin typeface="Times New Roman" panose="02020603050405020304" pitchFamily="18" charset="0"/>
+                <a:cs typeface="Times New Roman" panose="02020603050405020304" pitchFamily="18" charset="0"/>
+              </a:rPr>
+              <a:t>Tammy Miller (Course Instructor).</a:t>
+            </a:r>
+          </a:p>
+          <a:p>
+            <a:r>
+              <a:rPr lang="en-US" sz="2000" dirty="0">
+                <a:latin typeface="Times New Roman" panose="02020603050405020304" pitchFamily="18" charset="0"/>
+                <a:cs typeface="Times New Roman" panose="02020603050405020304" pitchFamily="18" charset="0"/>
+              </a:rPr>
               <a:t>Murach’s Python Programming.</a:t>
             </a:r>
           </a:p>
           <a:p>
             <a:r>
-              <a:rPr lang="en-US" dirty="0"/>
+              <a:rPr lang="en-US" sz="2000" dirty="0">
+                <a:latin typeface="Times New Roman" panose="02020603050405020304" pitchFamily="18" charset="0"/>
+                <a:cs typeface="Times New Roman" panose="02020603050405020304" pitchFamily="18" charset="0"/>
+              </a:rPr>
               <a:t>W3schools.com (</a:t>
             </a:r>
             <a:r>
-              <a:rPr lang="en-US" dirty="0">
+              <a:rPr lang="en-US" sz="2000" dirty="0">
+                <a:latin typeface="Times New Roman" panose="02020603050405020304" pitchFamily="18" charset="0"/>
+                <a:cs typeface="Times New Roman" panose="02020603050405020304" pitchFamily="18" charset="0"/>
                 <a:hlinkClick r:id="rId2"/>
               </a:rPr>
               <a:t>https://www.w3schools.com/python/default.asp</a:t>
             </a:r>
             <a:r>
-              <a:rPr lang="en-US" dirty="0"/>
+              <a:rPr lang="en-US" sz="2000" dirty="0">
+                <a:latin typeface="Times New Roman" panose="02020603050405020304" pitchFamily="18" charset="0"/>
+                <a:cs typeface="Times New Roman" panose="02020603050405020304" pitchFamily="18" charset="0"/>
+              </a:rPr>
               <a:t>).</a:t>
             </a:r>
           </a:p>
           <a:p>
             <a:r>
-              <a:rPr lang="en-US" dirty="0"/>
+              <a:rPr lang="en-US" sz="2000" dirty="0">
+                <a:latin typeface="Times New Roman" panose="02020603050405020304" pitchFamily="18" charset="0"/>
+                <a:cs typeface="Times New Roman" panose="02020603050405020304" pitchFamily="18" charset="0"/>
+              </a:rPr>
               <a:t>Udemy Python programming course.</a:t>
             </a:r>
           </a:p>
